--- a/Report/Presentation.pptx
+++ b/Report/Presentation.pptx
@@ -11,6 +11,10 @@
     <p:sldId id="259" r:id="rId5"/>
     <p:sldId id="260" r:id="rId6"/>
     <p:sldId id="261" r:id="rId7"/>
+    <p:sldId id="262" r:id="rId8"/>
+    <p:sldId id="263" r:id="rId9"/>
+    <p:sldId id="264" r:id="rId10"/>
+    <p:sldId id="265" r:id="rId11"/>
   </p:sldIdLst>
   <p:sldSz cx="12192000" cy="6858000"/>
   <p:notesSz cx="6858000" cy="9144000"/>
@@ -3132,7 +3136,7 @@
               <a:t>Проект «</a:t>
             </a:r>
             <a:r>
-              <a:rPr lang="en-US" sz="2000" dirty="0" err="1" smtClean="0">
+              <a:rPr lang="en-US" sz="2000" dirty="0" smtClean="0">
                 <a:solidFill>
                   <a:schemeClr val="bg1"/>
                 </a:solidFill>
@@ -3573,6 +3577,104 @@
       </p:par>
     </p:tnLst>
   </p:timing>
+</p:sld>
+</file>
+
+<file path=ppt/slides/slide10.xml><?xml version="1.0" encoding="utf-8"?>
+<p:sld xmlns:a="http://schemas.openxmlformats.org/drawingml/2006/main" xmlns:r="http://schemas.openxmlformats.org/officeDocument/2006/relationships" xmlns:p="http://schemas.openxmlformats.org/presentationml/2006/main">
+  <p:cSld>
+    <p:bg>
+      <p:bgPr>
+        <a:solidFill>
+          <a:srgbClr val="191919"/>
+        </a:solidFill>
+        <a:effectLst/>
+      </p:bgPr>
+    </p:bg>
+    <p:spTree>
+      <p:nvGrpSpPr>
+        <p:cNvPr id="1" name=""/>
+        <p:cNvGrpSpPr/>
+        <p:nvPr/>
+      </p:nvGrpSpPr>
+      <p:grpSpPr>
+        <a:xfrm>
+          <a:off x="0" y="0"/>
+          <a:ext cx="0" cy="0"/>
+          <a:chOff x="0" y="0"/>
+          <a:chExt cx="0" cy="0"/>
+        </a:xfrm>
+      </p:grpSpPr>
+      <p:sp>
+        <p:nvSpPr>
+          <p:cNvPr id="2" name="Заголовок 1"/>
+          <p:cNvSpPr>
+            <a:spLocks noGrp="1"/>
+          </p:cNvSpPr>
+          <p:nvPr>
+            <p:ph type="title"/>
+          </p:nvPr>
+        </p:nvSpPr>
+        <p:spPr/>
+        <p:txBody>
+          <a:bodyPr/>
+          <a:lstStyle/>
+          <a:p>
+            <a:r>
+              <a:rPr lang="ru-RU" dirty="0" smtClean="0">
+                <a:solidFill>
+                  <a:schemeClr val="bg1"/>
+                </a:solidFill>
+                <a:latin typeface="Times New Roman" panose="02020603050405020304" pitchFamily="18" charset="0"/>
+                <a:cs typeface="Times New Roman" panose="02020603050405020304" pitchFamily="18" charset="0"/>
+              </a:rPr>
+              <a:t>Результат</a:t>
+            </a:r>
+            <a:endParaRPr lang="ru-RU" dirty="0">
+              <a:solidFill>
+                <a:schemeClr val="bg1"/>
+              </a:solidFill>
+              <a:latin typeface="Times New Roman" panose="02020603050405020304" pitchFamily="18" charset="0"/>
+              <a:cs typeface="Times New Roman" panose="02020603050405020304" pitchFamily="18" charset="0"/>
+            </a:endParaRPr>
+          </a:p>
+        </p:txBody>
+      </p:sp>
+      <p:sp>
+        <p:nvSpPr>
+          <p:cNvPr id="3" name="Объект 2"/>
+          <p:cNvSpPr>
+            <a:spLocks noGrp="1"/>
+          </p:cNvSpPr>
+          <p:nvPr>
+            <p:ph idx="1"/>
+          </p:nvPr>
+        </p:nvSpPr>
+        <p:spPr/>
+        <p:txBody>
+          <a:bodyPr/>
+          <a:lstStyle/>
+          <a:p>
+            <a:endParaRPr lang="ru-RU" dirty="0">
+              <a:solidFill>
+                <a:schemeClr val="bg1"/>
+              </a:solidFill>
+              <a:latin typeface="Times New Roman" panose="02020603050405020304" pitchFamily="18" charset="0"/>
+              <a:cs typeface="Times New Roman" panose="02020603050405020304" pitchFamily="18" charset="0"/>
+            </a:endParaRPr>
+          </a:p>
+        </p:txBody>
+      </p:sp>
+    </p:spTree>
+    <p:extLst>
+      <p:ext uri="{BB962C8B-B14F-4D97-AF65-F5344CB8AC3E}">
+        <p14:creationId xmlns:p14="http://schemas.microsoft.com/office/powerpoint/2010/main" val="3981913512"/>
+      </p:ext>
+    </p:extLst>
+  </p:cSld>
+  <p:clrMapOvr>
+    <a:masterClrMapping/>
+  </p:clrMapOvr>
 </p:sld>
 </file>
 
@@ -3743,7 +3845,72 @@
           <a:bodyPr/>
           <a:lstStyle/>
           <a:p>
-            <a:endParaRPr lang="ru-RU" dirty="0"/>
+            <a:pPr marL="0" indent="0">
+              <a:buNone/>
+            </a:pPr>
+            <a:r>
+              <a:rPr lang="ru-RU" dirty="0" smtClean="0">
+                <a:solidFill>
+                  <a:schemeClr val="bg1"/>
+                </a:solidFill>
+                <a:latin typeface="Times New Roman" panose="02020603050405020304" pitchFamily="18" charset="0"/>
+                <a:cs typeface="Times New Roman" panose="02020603050405020304" pitchFamily="18" charset="0"/>
+              </a:rPr>
+              <a:t>Актуальность проделанной работы в рамках данной дисциплины и учебного курса следующая:</a:t>
+            </a:r>
+          </a:p>
+          <a:p>
+            <a:r>
+              <a:rPr lang="ru-RU" dirty="0" smtClean="0">
+                <a:solidFill>
+                  <a:schemeClr val="bg1"/>
+                </a:solidFill>
+                <a:latin typeface="Times New Roman" panose="02020603050405020304" pitchFamily="18" charset="0"/>
+                <a:cs typeface="Times New Roman" panose="02020603050405020304" pitchFamily="18" charset="0"/>
+              </a:rPr>
+              <a:t>Получение навыков работы в команде</a:t>
+            </a:r>
+          </a:p>
+          <a:p>
+            <a:r>
+              <a:rPr lang="ru-RU" dirty="0" smtClean="0">
+                <a:solidFill>
+                  <a:schemeClr val="bg1"/>
+                </a:solidFill>
+                <a:latin typeface="Times New Roman" panose="02020603050405020304" pitchFamily="18" charset="0"/>
+                <a:cs typeface="Times New Roman" panose="02020603050405020304" pitchFamily="18" charset="0"/>
+              </a:rPr>
+              <a:t>Закрепление полученных на дисциплине навыков работы с </a:t>
+            </a:r>
+            <a:r>
+              <a:rPr lang="en-US" dirty="0" smtClean="0">
+                <a:solidFill>
+                  <a:schemeClr val="bg1"/>
+                </a:solidFill>
+                <a:latin typeface="Times New Roman" panose="02020603050405020304" pitchFamily="18" charset="0"/>
+                <a:cs typeface="Times New Roman" panose="02020603050405020304" pitchFamily="18" charset="0"/>
+              </a:rPr>
+              <a:t>GIT</a:t>
+            </a:r>
+          </a:p>
+          <a:p>
+            <a:r>
+              <a:rPr lang="ru-RU" dirty="0" smtClean="0">
+                <a:solidFill>
+                  <a:schemeClr val="bg1"/>
+                </a:solidFill>
+                <a:latin typeface="Times New Roman" panose="02020603050405020304" pitchFamily="18" charset="0"/>
+                <a:cs typeface="Times New Roman" panose="02020603050405020304" pitchFamily="18" charset="0"/>
+              </a:rPr>
+              <a:t>Углубленное изучение языка программирования С++, что является хорошим фундаментом для дальнейшего обучения на выбранном направлении подготовки</a:t>
+            </a:r>
+            <a:endParaRPr lang="ru-RU" dirty="0">
+              <a:solidFill>
+                <a:schemeClr val="bg1"/>
+              </a:solidFill>
+              <a:latin typeface="Times New Roman" panose="02020603050405020304" pitchFamily="18" charset="0"/>
+              <a:cs typeface="Times New Roman" panose="02020603050405020304" pitchFamily="18" charset="0"/>
+            </a:endParaRPr>
           </a:p>
         </p:txBody>
       </p:sp>
@@ -4008,9 +4175,15 @@
   <p:cSld>
     <p:bg>
       <p:bgPr>
-        <a:solidFill>
-          <a:srgbClr val="191919"/>
-        </a:solidFill>
+        <a:blipFill dpi="0" rotWithShape="1">
+          <a:blip r:embed="rId2">
+            <a:lum/>
+          </a:blip>
+          <a:srcRect/>
+          <a:stretch>
+            <a:fillRect/>
+          </a:stretch>
+        </a:blipFill>
         <a:effectLst/>
       </p:bgPr>
     </p:bg>
@@ -4305,7 +4478,17 @@
                 <a:latin typeface="Times New Roman" panose="02020603050405020304" pitchFamily="18" charset="0"/>
                 <a:cs typeface="Times New Roman" panose="02020603050405020304" pitchFamily="18" charset="0"/>
               </a:rPr>
-              <a:t> и по одной для каждого направления работы)</a:t>
+              <a:t> и по одной для каждого </a:t>
+            </a:r>
+            <a:r>
+              <a:rPr lang="ru-RU" sz="2400" dirty="0" smtClean="0">
+                <a:solidFill>
+                  <a:schemeClr val="bg1"/>
+                </a:solidFill>
+                <a:latin typeface="Times New Roman" panose="02020603050405020304" pitchFamily="18" charset="0"/>
+                <a:cs typeface="Times New Roman" panose="02020603050405020304" pitchFamily="18" charset="0"/>
+              </a:rPr>
+              <a:t>разработчика)</a:t>
             </a:r>
             <a:endParaRPr lang="ru-RU" sz="2400" dirty="0">
               <a:solidFill>
@@ -4345,6 +4528,729 @@
     <p:extLst>
       <p:ext uri="{BB962C8B-B14F-4D97-AF65-F5344CB8AC3E}">
         <p14:creationId xmlns:p14="http://schemas.microsoft.com/office/powerpoint/2010/main" val="3778082699"/>
+      </p:ext>
+    </p:extLst>
+  </p:cSld>
+  <p:clrMapOvr>
+    <a:masterClrMapping/>
+  </p:clrMapOvr>
+  <p:timing>
+    <p:tnLst>
+      <p:par>
+        <p:cTn id="1" dur="indefinite" restart="never" nodeType="tmRoot"/>
+      </p:par>
+    </p:tnLst>
+  </p:timing>
+</p:sld>
+</file>
+
+<file path=ppt/slides/slide7.xml><?xml version="1.0" encoding="utf-8"?>
+<p:sld xmlns:a="http://schemas.openxmlformats.org/drawingml/2006/main" xmlns:r="http://schemas.openxmlformats.org/officeDocument/2006/relationships" xmlns:p="http://schemas.openxmlformats.org/presentationml/2006/main">
+  <p:cSld>
+    <p:bg>
+      <p:bgPr>
+        <a:solidFill>
+          <a:srgbClr val="191919"/>
+        </a:solidFill>
+        <a:effectLst/>
+      </p:bgPr>
+    </p:bg>
+    <p:spTree>
+      <p:nvGrpSpPr>
+        <p:cNvPr id="1" name=""/>
+        <p:cNvGrpSpPr/>
+        <p:nvPr/>
+      </p:nvGrpSpPr>
+      <p:grpSpPr>
+        <a:xfrm>
+          <a:off x="0" y="0"/>
+          <a:ext cx="0" cy="0"/>
+          <a:chOff x="0" y="0"/>
+          <a:chExt cx="0" cy="0"/>
+        </a:xfrm>
+      </p:grpSpPr>
+      <p:sp>
+        <p:nvSpPr>
+          <p:cNvPr id="2" name="Заголовок 1"/>
+          <p:cNvSpPr>
+            <a:spLocks noGrp="1"/>
+          </p:cNvSpPr>
+          <p:nvPr>
+            <p:ph type="title"/>
+          </p:nvPr>
+        </p:nvSpPr>
+        <p:spPr/>
+        <p:txBody>
+          <a:bodyPr/>
+          <a:lstStyle/>
+          <a:p>
+            <a:r>
+              <a:rPr lang="ru-RU" dirty="0" smtClean="0">
+                <a:solidFill>
+                  <a:schemeClr val="bg1"/>
+                </a:solidFill>
+                <a:latin typeface="Times New Roman" panose="02020603050405020304" pitchFamily="18" charset="0"/>
+                <a:cs typeface="Times New Roman" panose="02020603050405020304" pitchFamily="18" charset="0"/>
+              </a:rPr>
+              <a:t>Календарный план</a:t>
+            </a:r>
+            <a:endParaRPr lang="ru-RU" dirty="0">
+              <a:solidFill>
+                <a:schemeClr val="bg1"/>
+              </a:solidFill>
+              <a:latin typeface="Times New Roman" panose="02020603050405020304" pitchFamily="18" charset="0"/>
+              <a:cs typeface="Times New Roman" panose="02020603050405020304" pitchFamily="18" charset="0"/>
+            </a:endParaRPr>
+          </a:p>
+        </p:txBody>
+      </p:sp>
+      <p:graphicFrame>
+        <p:nvGraphicFramePr>
+          <p:cNvPr id="5" name="Объект 4"/>
+          <p:cNvGraphicFramePr>
+            <a:graphicFrameLocks noGrp="1"/>
+          </p:cNvGraphicFramePr>
+          <p:nvPr>
+            <p:ph idx="1"/>
+            <p:extLst>
+              <p:ext uri="{D42A27DB-BD31-4B8C-83A1-F6EECF244321}">
+                <p14:modId xmlns:p14="http://schemas.microsoft.com/office/powerpoint/2010/main" val="2079556415"/>
+              </p:ext>
+            </p:extLst>
+          </p:nvPr>
+        </p:nvGraphicFramePr>
+        <p:xfrm>
+          <a:off x="838200" y="1468266"/>
+          <a:ext cx="9154297" cy="4849291"/>
+        </p:xfrm>
+        <a:graphic>
+          <a:graphicData uri="http://schemas.openxmlformats.org/drawingml/2006/table">
+            <a:tbl>
+              <a:tblPr firstRow="1" bandRow="1">
+                <a:tableStyleId>{8FD4443E-F989-4FC4-A0C8-D5A2AF1F390B}</a:tableStyleId>
+              </a:tblPr>
+              <a:tblGrid>
+                <a:gridCol w="1546664"/>
+                <a:gridCol w="7607633"/>
+              </a:tblGrid>
+              <a:tr h="589693">
+                <a:tc>
+                  <a:txBody>
+                    <a:bodyPr/>
+                    <a:lstStyle/>
+                    <a:p>
+                      <a:r>
+                        <a:rPr lang="ru-RU" sz="2000" dirty="0" smtClean="0">
+                          <a:latin typeface="Times New Roman" panose="02020603050405020304" pitchFamily="18" charset="0"/>
+                          <a:cs typeface="Times New Roman" panose="02020603050405020304" pitchFamily="18" charset="0"/>
+                        </a:rPr>
+                        <a:t>Дата</a:t>
+                      </a:r>
+                      <a:endParaRPr lang="ru-RU" sz="2000" dirty="0">
+                        <a:latin typeface="Times New Roman" panose="02020603050405020304" pitchFamily="18" charset="0"/>
+                        <a:cs typeface="Times New Roman" panose="02020603050405020304" pitchFamily="18" charset="0"/>
+                      </a:endParaRPr>
+                    </a:p>
+                  </a:txBody>
+                  <a:tcPr>
+                    <a:lnR>
+                      <a:noFill/>
+                    </a:lnR>
+                    <a:lnB w="25400" cmpd="sng">
+                      <a:noFill/>
+                    </a:lnB>
+                  </a:tcPr>
+                </a:tc>
+                <a:tc>
+                  <a:txBody>
+                    <a:bodyPr/>
+                    <a:lstStyle/>
+                    <a:p>
+                      <a:r>
+                        <a:rPr lang="ru-RU" sz="2000" dirty="0" smtClean="0">
+                          <a:latin typeface="Times New Roman" panose="02020603050405020304" pitchFamily="18" charset="0"/>
+                          <a:cs typeface="Times New Roman" panose="02020603050405020304" pitchFamily="18" charset="0"/>
+                        </a:rPr>
+                        <a:t>Событие</a:t>
+                      </a:r>
+                      <a:endParaRPr lang="ru-RU" sz="2000" dirty="0">
+                        <a:latin typeface="Times New Roman" panose="02020603050405020304" pitchFamily="18" charset="0"/>
+                        <a:cs typeface="Times New Roman" panose="02020603050405020304" pitchFamily="18" charset="0"/>
+                      </a:endParaRPr>
+                    </a:p>
+                  </a:txBody>
+                  <a:tcPr>
+                    <a:lnL>
+                      <a:noFill/>
+                    </a:lnL>
+                    <a:lnR>
+                      <a:noFill/>
+                    </a:lnR>
+                    <a:lnT>
+                      <a:noFill/>
+                    </a:lnT>
+                    <a:lnB w="25400" cmpd="sng">
+                      <a:noFill/>
+                    </a:lnB>
+                    <a:lnTlToBr w="12700" cmpd="sng">
+                      <a:noFill/>
+                      <a:prstDash val="solid"/>
+                    </a:lnTlToBr>
+                    <a:lnBlToTr w="12700" cmpd="sng">
+                      <a:noFill/>
+                      <a:prstDash val="solid"/>
+                    </a:lnBlToTr>
+                  </a:tcPr>
+                </a:tc>
+              </a:tr>
+              <a:tr h="593093">
+                <a:tc>
+                  <a:txBody>
+                    <a:bodyPr/>
+                    <a:lstStyle/>
+                    <a:p>
+                      <a:r>
+                        <a:rPr lang="ru-RU" sz="2000" dirty="0" smtClean="0">
+                          <a:latin typeface="Times New Roman" panose="02020603050405020304" pitchFamily="18" charset="0"/>
+                          <a:cs typeface="Times New Roman" panose="02020603050405020304" pitchFamily="18" charset="0"/>
+                        </a:rPr>
+                        <a:t>01.11.2020</a:t>
+                      </a:r>
+                    </a:p>
+                  </a:txBody>
+                  <a:tcPr>
+                    <a:lnL>
+                      <a:noFill/>
+                    </a:lnL>
+                    <a:lnR>
+                      <a:noFill/>
+                    </a:lnR>
+                    <a:lnT w="25400" cmpd="sng">
+                      <a:noFill/>
+                    </a:lnT>
+                    <a:lnB>
+                      <a:noFill/>
+                    </a:lnB>
+                    <a:lnTlToBr w="12700" cmpd="sng">
+                      <a:noFill/>
+                      <a:prstDash val="solid"/>
+                    </a:lnTlToBr>
+                    <a:lnBlToTr w="12700" cmpd="sng">
+                      <a:noFill/>
+                      <a:prstDash val="solid"/>
+                    </a:lnBlToTr>
+                  </a:tcPr>
+                </a:tc>
+                <a:tc>
+                  <a:txBody>
+                    <a:bodyPr/>
+                    <a:lstStyle/>
+                    <a:p>
+                      <a:r>
+                        <a:rPr lang="ru-RU" sz="2000" dirty="0" smtClean="0">
+                          <a:latin typeface="Times New Roman" panose="02020603050405020304" pitchFamily="18" charset="0"/>
+                          <a:cs typeface="Times New Roman" panose="02020603050405020304" pitchFamily="18" charset="0"/>
+                        </a:rPr>
+                        <a:t>Планирование проекта</a:t>
+                      </a:r>
+                      <a:endParaRPr lang="ru-RU" sz="2000" dirty="0">
+                        <a:latin typeface="Times New Roman" panose="02020603050405020304" pitchFamily="18" charset="0"/>
+                        <a:cs typeface="Times New Roman" panose="02020603050405020304" pitchFamily="18" charset="0"/>
+                      </a:endParaRPr>
+                    </a:p>
+                  </a:txBody>
+                  <a:tcPr>
+                    <a:lnL>
+                      <a:noFill/>
+                    </a:lnL>
+                    <a:lnT w="25400" cmpd="sng">
+                      <a:noFill/>
+                    </a:lnT>
+                  </a:tcPr>
+                </a:tc>
+              </a:tr>
+              <a:tr h="593093">
+                <a:tc>
+                  <a:txBody>
+                    <a:bodyPr/>
+                    <a:lstStyle/>
+                    <a:p>
+                      <a:r>
+                        <a:rPr lang="ru-RU" sz="2000" dirty="0" smtClean="0">
+                          <a:latin typeface="Times New Roman" panose="02020603050405020304" pitchFamily="18" charset="0"/>
+                          <a:cs typeface="Times New Roman" panose="02020603050405020304" pitchFamily="18" charset="0"/>
+                        </a:rPr>
+                        <a:t>08.11.2020</a:t>
+                      </a:r>
+                      <a:endParaRPr lang="ru-RU" sz="2000" dirty="0">
+                        <a:latin typeface="Times New Roman" panose="02020603050405020304" pitchFamily="18" charset="0"/>
+                        <a:cs typeface="Times New Roman" panose="02020603050405020304" pitchFamily="18" charset="0"/>
+                      </a:endParaRPr>
+                    </a:p>
+                  </a:txBody>
+                  <a:tcPr>
+                    <a:lnT>
+                      <a:noFill/>
+                    </a:lnT>
+                  </a:tcPr>
+                </a:tc>
+                <a:tc>
+                  <a:txBody>
+                    <a:bodyPr/>
+                    <a:lstStyle/>
+                    <a:p>
+                      <a:r>
+                        <a:rPr lang="ru-RU" sz="2000" dirty="0" smtClean="0">
+                          <a:latin typeface="Times New Roman" panose="02020603050405020304" pitchFamily="18" charset="0"/>
+                          <a:cs typeface="Times New Roman" panose="02020603050405020304" pitchFamily="18" charset="0"/>
+                        </a:rPr>
+                        <a:t>Начало работы, изучения средств разработки</a:t>
+                      </a:r>
+                      <a:endParaRPr lang="ru-RU" sz="2000" dirty="0">
+                        <a:latin typeface="Times New Roman" panose="02020603050405020304" pitchFamily="18" charset="0"/>
+                        <a:cs typeface="Times New Roman" panose="02020603050405020304" pitchFamily="18" charset="0"/>
+                      </a:endParaRPr>
+                    </a:p>
+                  </a:txBody>
+                  <a:tcPr/>
+                </a:tc>
+              </a:tr>
+              <a:tr h="593093">
+                <a:tc>
+                  <a:txBody>
+                    <a:bodyPr/>
+                    <a:lstStyle/>
+                    <a:p>
+                      <a:r>
+                        <a:rPr lang="ru-RU" sz="2000" dirty="0" smtClean="0">
+                          <a:latin typeface="Times New Roman" panose="02020603050405020304" pitchFamily="18" charset="0"/>
+                          <a:cs typeface="Times New Roman" panose="02020603050405020304" pitchFamily="18" charset="0"/>
+                        </a:rPr>
+                        <a:t>22.11.2020</a:t>
+                      </a:r>
+                    </a:p>
+                  </a:txBody>
+                  <a:tcPr/>
+                </a:tc>
+                <a:tc>
+                  <a:txBody>
+                    <a:bodyPr/>
+                    <a:lstStyle/>
+                    <a:p>
+                      <a:r>
+                        <a:rPr lang="ru-RU" sz="2000" dirty="0" smtClean="0">
+                          <a:latin typeface="Times New Roman" panose="02020603050405020304" pitchFamily="18" charset="0"/>
+                          <a:cs typeface="Times New Roman" panose="02020603050405020304" pitchFamily="18" charset="0"/>
+                        </a:rPr>
+                        <a:t>Начало</a:t>
+                      </a:r>
+                      <a:r>
+                        <a:rPr lang="ru-RU" sz="2000" baseline="0" dirty="0" smtClean="0">
+                          <a:latin typeface="Times New Roman" panose="02020603050405020304" pitchFamily="18" charset="0"/>
+                          <a:cs typeface="Times New Roman" panose="02020603050405020304" pitchFamily="18" charset="0"/>
+                        </a:rPr>
+                        <a:t> написания проекта</a:t>
+                      </a:r>
+                      <a:endParaRPr lang="ru-RU" sz="2000" dirty="0">
+                        <a:latin typeface="Times New Roman" panose="02020603050405020304" pitchFamily="18" charset="0"/>
+                        <a:cs typeface="Times New Roman" panose="02020603050405020304" pitchFamily="18" charset="0"/>
+                      </a:endParaRPr>
+                    </a:p>
+                  </a:txBody>
+                  <a:tcPr/>
+                </a:tc>
+              </a:tr>
+              <a:tr h="593093">
+                <a:tc>
+                  <a:txBody>
+                    <a:bodyPr/>
+                    <a:lstStyle/>
+                    <a:p>
+                      <a:r>
+                        <a:rPr lang="ru-RU" sz="2000" dirty="0" smtClean="0">
+                          <a:latin typeface="Times New Roman" panose="02020603050405020304" pitchFamily="18" charset="0"/>
+                          <a:cs typeface="Times New Roman" panose="02020603050405020304" pitchFamily="18" charset="0"/>
+                        </a:rPr>
+                        <a:t>09.12.2020</a:t>
+                      </a:r>
+                      <a:endParaRPr lang="ru-RU" sz="2000" dirty="0">
+                        <a:latin typeface="Times New Roman" panose="02020603050405020304" pitchFamily="18" charset="0"/>
+                        <a:cs typeface="Times New Roman" panose="02020603050405020304" pitchFamily="18" charset="0"/>
+                      </a:endParaRPr>
+                    </a:p>
+                  </a:txBody>
+                  <a:tcPr/>
+                </a:tc>
+                <a:tc>
+                  <a:txBody>
+                    <a:bodyPr/>
+                    <a:lstStyle/>
+                    <a:p>
+                      <a:r>
+                        <a:rPr lang="ru-RU" sz="2000" dirty="0" smtClean="0">
+                          <a:latin typeface="Times New Roman" panose="02020603050405020304" pitchFamily="18" charset="0"/>
+                          <a:cs typeface="Times New Roman" panose="02020603050405020304" pitchFamily="18" charset="0"/>
+                        </a:rPr>
+                        <a:t>Конец разработки</a:t>
+                      </a:r>
+                      <a:r>
+                        <a:rPr lang="ru-RU" sz="2000" baseline="0" dirty="0" smtClean="0">
+                          <a:latin typeface="Times New Roman" panose="02020603050405020304" pitchFamily="18" charset="0"/>
+                          <a:cs typeface="Times New Roman" panose="02020603050405020304" pitchFamily="18" charset="0"/>
+                        </a:rPr>
+                        <a:t> части модулей, </a:t>
+                      </a:r>
+                      <a:r>
+                        <a:rPr lang="en-US" sz="2000" baseline="0" dirty="0" smtClean="0">
+                          <a:latin typeface="Times New Roman" panose="02020603050405020304" pitchFamily="18" charset="0"/>
+                          <a:cs typeface="Times New Roman" panose="02020603050405020304" pitchFamily="18" charset="0"/>
+                        </a:rPr>
+                        <a:t>debug,</a:t>
+                      </a:r>
+                      <a:r>
+                        <a:rPr lang="ru-RU" sz="2000" baseline="0" dirty="0" smtClean="0">
+                          <a:latin typeface="Times New Roman" panose="02020603050405020304" pitchFamily="18" charset="0"/>
+                          <a:cs typeface="Times New Roman" panose="02020603050405020304" pitchFamily="18" charset="0"/>
+                        </a:rPr>
+                        <a:t> подготовка к релизу</a:t>
+                      </a:r>
+                      <a:endParaRPr lang="ru-RU" sz="2000" dirty="0">
+                        <a:latin typeface="Times New Roman" panose="02020603050405020304" pitchFamily="18" charset="0"/>
+                        <a:cs typeface="Times New Roman" panose="02020603050405020304" pitchFamily="18" charset="0"/>
+                      </a:endParaRPr>
+                    </a:p>
+                  </a:txBody>
+                  <a:tcPr/>
+                </a:tc>
+              </a:tr>
+              <a:tr h="685432">
+                <a:tc>
+                  <a:txBody>
+                    <a:bodyPr/>
+                    <a:lstStyle/>
+                    <a:p>
+                      <a:r>
+                        <a:rPr lang="ru-RU" sz="2000" dirty="0" smtClean="0">
+                          <a:latin typeface="Times New Roman" panose="02020603050405020304" pitchFamily="18" charset="0"/>
+                          <a:cs typeface="Times New Roman" panose="02020603050405020304" pitchFamily="18" charset="0"/>
+                        </a:rPr>
+                        <a:t>10.12.2020</a:t>
+                      </a:r>
+                      <a:endParaRPr lang="ru-RU" sz="2000" dirty="0">
+                        <a:latin typeface="Times New Roman" panose="02020603050405020304" pitchFamily="18" charset="0"/>
+                        <a:cs typeface="Times New Roman" panose="02020603050405020304" pitchFamily="18" charset="0"/>
+                      </a:endParaRPr>
+                    </a:p>
+                  </a:txBody>
+                  <a:tcPr/>
+                </a:tc>
+                <a:tc>
+                  <a:txBody>
+                    <a:bodyPr/>
+                    <a:lstStyle/>
+                    <a:p>
+                      <a:r>
+                        <a:rPr lang="ru-RU" sz="2000" dirty="0" smtClean="0">
+                          <a:latin typeface="Times New Roman" panose="02020603050405020304" pitchFamily="18" charset="0"/>
+                          <a:cs typeface="Times New Roman" panose="02020603050405020304" pitchFamily="18" charset="0"/>
+                        </a:rPr>
+                        <a:t>Заключительные</a:t>
+                      </a:r>
+                      <a:r>
+                        <a:rPr lang="ru-RU" sz="2000" baseline="0" dirty="0" smtClean="0">
+                          <a:latin typeface="Times New Roman" panose="02020603050405020304" pitchFamily="18" charset="0"/>
+                          <a:cs typeface="Times New Roman" panose="02020603050405020304" pitchFamily="18" charset="0"/>
+                        </a:rPr>
+                        <a:t> работы (</a:t>
+                      </a:r>
+                      <a:r>
+                        <a:rPr lang="en-US" sz="2000" baseline="0" dirty="0" smtClean="0">
+                          <a:latin typeface="Times New Roman" panose="02020603050405020304" pitchFamily="18" charset="0"/>
+                          <a:cs typeface="Times New Roman" panose="02020603050405020304" pitchFamily="18" charset="0"/>
+                        </a:rPr>
+                        <a:t>debug, </a:t>
+                      </a:r>
+                      <a:r>
+                        <a:rPr lang="ru-RU" sz="2000" baseline="0" dirty="0" smtClean="0">
+                          <a:latin typeface="Times New Roman" panose="02020603050405020304" pitchFamily="18" charset="0"/>
+                          <a:cs typeface="Times New Roman" panose="02020603050405020304" pitchFamily="18" charset="0"/>
+                        </a:rPr>
+                        <a:t>сборка) Презентация промежуточных результатов</a:t>
+                      </a:r>
+                      <a:endParaRPr lang="ru-RU" sz="2000" dirty="0">
+                        <a:latin typeface="Times New Roman" panose="02020603050405020304" pitchFamily="18" charset="0"/>
+                        <a:cs typeface="Times New Roman" panose="02020603050405020304" pitchFamily="18" charset="0"/>
+                      </a:endParaRPr>
+                    </a:p>
+                  </a:txBody>
+                  <a:tcPr/>
+                </a:tc>
+              </a:tr>
+              <a:tr h="593093">
+                <a:tc>
+                  <a:txBody>
+                    <a:bodyPr/>
+                    <a:lstStyle/>
+                    <a:p>
+                      <a:r>
+                        <a:rPr lang="ru-RU" sz="2000" dirty="0" smtClean="0">
+                          <a:latin typeface="Times New Roman" panose="02020603050405020304" pitchFamily="18" charset="0"/>
+                          <a:cs typeface="Times New Roman" panose="02020603050405020304" pitchFamily="18" charset="0"/>
+                        </a:rPr>
+                        <a:t>16.12.2020</a:t>
+                      </a:r>
+                      <a:endParaRPr lang="ru-RU" sz="2000" dirty="0">
+                        <a:latin typeface="Times New Roman" panose="02020603050405020304" pitchFamily="18" charset="0"/>
+                        <a:cs typeface="Times New Roman" panose="02020603050405020304" pitchFamily="18" charset="0"/>
+                      </a:endParaRPr>
+                    </a:p>
+                  </a:txBody>
+                  <a:tcPr/>
+                </a:tc>
+                <a:tc>
+                  <a:txBody>
+                    <a:bodyPr/>
+                    <a:lstStyle/>
+                    <a:p>
+                      <a:r>
+                        <a:rPr lang="ru-RU" sz="2000" dirty="0" smtClean="0">
+                          <a:latin typeface="Times New Roman" panose="02020603050405020304" pitchFamily="18" charset="0"/>
+                          <a:cs typeface="Times New Roman" panose="02020603050405020304" pitchFamily="18" charset="0"/>
+                        </a:rPr>
+                        <a:t>Завершение</a:t>
+                      </a:r>
+                      <a:r>
+                        <a:rPr lang="ru-RU" sz="2000" baseline="0" dirty="0" smtClean="0">
+                          <a:latin typeface="Times New Roman" panose="02020603050405020304" pitchFamily="18" charset="0"/>
+                          <a:cs typeface="Times New Roman" panose="02020603050405020304" pitchFamily="18" charset="0"/>
+                        </a:rPr>
+                        <a:t> работы над презентацией и отчётом</a:t>
+                      </a:r>
+                      <a:endParaRPr lang="ru-RU" sz="2000" dirty="0">
+                        <a:latin typeface="Times New Roman" panose="02020603050405020304" pitchFamily="18" charset="0"/>
+                        <a:cs typeface="Times New Roman" panose="02020603050405020304" pitchFamily="18" charset="0"/>
+                      </a:endParaRPr>
+                    </a:p>
+                  </a:txBody>
+                  <a:tcPr/>
+                </a:tc>
+              </a:tr>
+              <a:tr h="593093">
+                <a:tc>
+                  <a:txBody>
+                    <a:bodyPr/>
+                    <a:lstStyle/>
+                    <a:p>
+                      <a:r>
+                        <a:rPr lang="ru-RU" sz="2000" dirty="0" smtClean="0">
+                          <a:latin typeface="Times New Roman" panose="02020603050405020304" pitchFamily="18" charset="0"/>
+                          <a:cs typeface="Times New Roman" panose="02020603050405020304" pitchFamily="18" charset="0"/>
+                        </a:rPr>
+                        <a:t>17.12.2020</a:t>
+                      </a:r>
+                      <a:endParaRPr lang="ru-RU" sz="2000" dirty="0">
+                        <a:latin typeface="Times New Roman" panose="02020603050405020304" pitchFamily="18" charset="0"/>
+                        <a:cs typeface="Times New Roman" panose="02020603050405020304" pitchFamily="18" charset="0"/>
+                      </a:endParaRPr>
+                    </a:p>
+                  </a:txBody>
+                  <a:tcPr/>
+                </a:tc>
+                <a:tc>
+                  <a:txBody>
+                    <a:bodyPr/>
+                    <a:lstStyle/>
+                    <a:p>
+                      <a:r>
+                        <a:rPr lang="ru-RU" sz="2000" dirty="0" smtClean="0">
+                          <a:latin typeface="Times New Roman" panose="02020603050405020304" pitchFamily="18" charset="0"/>
+                          <a:cs typeface="Times New Roman" panose="02020603050405020304" pitchFamily="18" charset="0"/>
+                        </a:rPr>
+                        <a:t>Защита проекта</a:t>
+                      </a:r>
+                      <a:endParaRPr lang="ru-RU" sz="2000" dirty="0">
+                        <a:latin typeface="Times New Roman" panose="02020603050405020304" pitchFamily="18" charset="0"/>
+                        <a:cs typeface="Times New Roman" panose="02020603050405020304" pitchFamily="18" charset="0"/>
+                      </a:endParaRPr>
+                    </a:p>
+                  </a:txBody>
+                  <a:tcPr/>
+                </a:tc>
+              </a:tr>
+            </a:tbl>
+          </a:graphicData>
+        </a:graphic>
+      </p:graphicFrame>
+    </p:spTree>
+    <p:extLst>
+      <p:ext uri="{BB962C8B-B14F-4D97-AF65-F5344CB8AC3E}">
+        <p14:creationId xmlns:p14="http://schemas.microsoft.com/office/powerpoint/2010/main" val="2341547587"/>
+      </p:ext>
+    </p:extLst>
+  </p:cSld>
+  <p:clrMapOvr>
+    <a:masterClrMapping/>
+  </p:clrMapOvr>
+  <p:timing>
+    <p:tnLst>
+      <p:par>
+        <p:cTn id="1" dur="indefinite" restart="never" nodeType="tmRoot"/>
+      </p:par>
+    </p:tnLst>
+  </p:timing>
+</p:sld>
+</file>
+
+<file path=ppt/slides/slide8.xml><?xml version="1.0" encoding="utf-8"?>
+<p:sld xmlns:a="http://schemas.openxmlformats.org/drawingml/2006/main" xmlns:r="http://schemas.openxmlformats.org/officeDocument/2006/relationships" xmlns:p="http://schemas.openxmlformats.org/presentationml/2006/main">
+  <p:cSld>
+    <p:bg>
+      <p:bgPr>
+        <a:blipFill dpi="0" rotWithShape="1">
+          <a:blip r:embed="rId2">
+            <a:lum/>
+          </a:blip>
+          <a:srcRect/>
+          <a:stretch>
+            <a:fillRect/>
+          </a:stretch>
+        </a:blipFill>
+        <a:effectLst/>
+      </p:bgPr>
+    </p:bg>
+    <p:spTree>
+      <p:nvGrpSpPr>
+        <p:cNvPr id="1" name=""/>
+        <p:cNvGrpSpPr/>
+        <p:nvPr/>
+      </p:nvGrpSpPr>
+      <p:grpSpPr>
+        <a:xfrm>
+          <a:off x="0" y="0"/>
+          <a:ext cx="0" cy="0"/>
+          <a:chOff x="0" y="0"/>
+          <a:chExt cx="0" cy="0"/>
+        </a:xfrm>
+      </p:grpSpPr>
+      <p:sp>
+        <p:nvSpPr>
+          <p:cNvPr id="2" name="Заголовок 1"/>
+          <p:cNvSpPr>
+            <a:spLocks noGrp="1"/>
+          </p:cNvSpPr>
+          <p:nvPr>
+            <p:ph type="title"/>
+          </p:nvPr>
+        </p:nvSpPr>
+        <p:spPr/>
+        <p:txBody>
+          <a:bodyPr/>
+          <a:lstStyle/>
+          <a:p>
+            <a:r>
+              <a:rPr lang="ru-RU" dirty="0" smtClean="0">
+                <a:solidFill>
+                  <a:schemeClr val="bg1"/>
+                </a:solidFill>
+                <a:latin typeface="Times New Roman" panose="02020603050405020304" pitchFamily="18" charset="0"/>
+                <a:cs typeface="Times New Roman" panose="02020603050405020304" pitchFamily="18" charset="0"/>
+              </a:rPr>
+              <a:t>Инструменты разработки</a:t>
+            </a:r>
+            <a:endParaRPr lang="ru-RU" dirty="0">
+              <a:solidFill>
+                <a:schemeClr val="bg1"/>
+              </a:solidFill>
+              <a:latin typeface="Times New Roman" panose="02020603050405020304" pitchFamily="18" charset="0"/>
+              <a:cs typeface="Times New Roman" panose="02020603050405020304" pitchFamily="18" charset="0"/>
+            </a:endParaRPr>
+          </a:p>
+        </p:txBody>
+      </p:sp>
+    </p:spTree>
+    <p:extLst>
+      <p:ext uri="{BB962C8B-B14F-4D97-AF65-F5344CB8AC3E}">
+        <p14:creationId xmlns:p14="http://schemas.microsoft.com/office/powerpoint/2010/main" val="2356689558"/>
+      </p:ext>
+    </p:extLst>
+  </p:cSld>
+  <p:clrMapOvr>
+    <a:masterClrMapping/>
+  </p:clrMapOvr>
+  <p:timing>
+    <p:tnLst>
+      <p:par>
+        <p:cTn id="1" dur="indefinite" restart="never" nodeType="tmRoot"/>
+      </p:par>
+    </p:tnLst>
+  </p:timing>
+</p:sld>
+</file>
+
+<file path=ppt/slides/slide9.xml><?xml version="1.0" encoding="utf-8"?>
+<p:sld xmlns:a="http://schemas.openxmlformats.org/drawingml/2006/main" xmlns:r="http://schemas.openxmlformats.org/officeDocument/2006/relationships" xmlns:p="http://schemas.openxmlformats.org/presentationml/2006/main">
+  <p:cSld>
+    <p:bg>
+      <p:bgPr>
+        <a:solidFill>
+          <a:srgbClr val="191919"/>
+        </a:solidFill>
+        <a:effectLst/>
+      </p:bgPr>
+    </p:bg>
+    <p:spTree>
+      <p:nvGrpSpPr>
+        <p:cNvPr id="1" name=""/>
+        <p:cNvGrpSpPr/>
+        <p:nvPr/>
+      </p:nvGrpSpPr>
+      <p:grpSpPr>
+        <a:xfrm>
+          <a:off x="0" y="0"/>
+          <a:ext cx="0" cy="0"/>
+          <a:chOff x="0" y="0"/>
+          <a:chExt cx="0" cy="0"/>
+        </a:xfrm>
+      </p:grpSpPr>
+      <p:sp>
+        <p:nvSpPr>
+          <p:cNvPr id="2" name="Заголовок 1"/>
+          <p:cNvSpPr>
+            <a:spLocks noGrp="1"/>
+          </p:cNvSpPr>
+          <p:nvPr>
+            <p:ph type="title"/>
+          </p:nvPr>
+        </p:nvSpPr>
+        <p:spPr/>
+        <p:txBody>
+          <a:bodyPr/>
+          <a:lstStyle/>
+          <a:p>
+            <a:r>
+              <a:rPr lang="ru-RU" dirty="0" smtClean="0">
+                <a:solidFill>
+                  <a:schemeClr val="bg1"/>
+                </a:solidFill>
+                <a:latin typeface="Times New Roman" panose="02020603050405020304" pitchFamily="18" charset="0"/>
+                <a:cs typeface="Times New Roman" panose="02020603050405020304" pitchFamily="18" charset="0"/>
+              </a:rPr>
+              <a:t>Процесс разработки</a:t>
+            </a:r>
+            <a:endParaRPr lang="ru-RU" dirty="0">
+              <a:solidFill>
+                <a:schemeClr val="bg1"/>
+              </a:solidFill>
+              <a:latin typeface="Times New Roman" panose="02020603050405020304" pitchFamily="18" charset="0"/>
+              <a:cs typeface="Times New Roman" panose="02020603050405020304" pitchFamily="18" charset="0"/>
+            </a:endParaRPr>
+          </a:p>
+        </p:txBody>
+      </p:sp>
+    </p:spTree>
+    <p:extLst>
+      <p:ext uri="{BB962C8B-B14F-4D97-AF65-F5344CB8AC3E}">
+        <p14:creationId xmlns:p14="http://schemas.microsoft.com/office/powerpoint/2010/main" val="1901337591"/>
       </p:ext>
     </p:extLst>
   </p:cSld>

--- a/Report/Presentation.pptx
+++ b/Report/Presentation.pptx
@@ -13,8 +13,10 @@
     <p:sldId id="261" r:id="rId7"/>
     <p:sldId id="262" r:id="rId8"/>
     <p:sldId id="263" r:id="rId9"/>
-    <p:sldId id="264" r:id="rId10"/>
-    <p:sldId id="265" r:id="rId11"/>
+    <p:sldId id="265" r:id="rId10"/>
+    <p:sldId id="266" r:id="rId11"/>
+    <p:sldId id="267" r:id="rId12"/>
+    <p:sldId id="268" r:id="rId13"/>
   </p:sldIdLst>
   <p:sldSz cx="12192000" cy="6858000"/>
   <p:notesSz cx="6858000" cy="9144000"/>
@@ -3570,6 +3572,14 @@
   <p:clrMapOvr>
     <a:masterClrMapping/>
   </p:clrMapOvr>
+  <mc:AlternateContent xmlns:mc="http://schemas.openxmlformats.org/markup-compatibility/2006">
+    <mc:Choice xmlns:p14="http://schemas.microsoft.com/office/powerpoint/2010/main" Requires="p14">
+      <p:transition p14:dur="0"/>
+    </mc:Choice>
+    <mc:Fallback>
+      <p:transition/>
+    </mc:Fallback>
+  </mc:AlternateContent>
   <p:timing>
     <p:tnLst>
       <p:par>
@@ -3640,14 +3650,85 @@
           </a:p>
         </p:txBody>
       </p:sp>
-      <p:sp>
-        <p:nvSpPr>
-          <p:cNvPr id="3" name="Объект 2"/>
-          <p:cNvSpPr>
-            <a:spLocks noGrp="1"/>
-          </p:cNvSpPr>
-          <p:nvPr>
-            <p:ph idx="1"/>
+      <p:pic>
+        <p:nvPicPr>
+          <p:cNvPr id="4" name="Рисунок 3"/>
+          <p:cNvPicPr>
+            <a:picLocks noChangeAspect="1"/>
+          </p:cNvPicPr>
+          <p:nvPr/>
+        </p:nvPicPr>
+        <p:blipFill rotWithShape="1">
+          <a:blip r:embed="rId2"/>
+          <a:srcRect r="541"/>
+          <a:stretch/>
+        </p:blipFill>
+        <p:spPr>
+          <a:xfrm>
+            <a:off x="838200" y="1504571"/>
+            <a:ext cx="8928887" cy="5048062"/>
+          </a:xfrm>
+          <a:prstGeom prst="rect">
+            <a:avLst/>
+          </a:prstGeom>
+        </p:spPr>
+      </p:pic>
+    </p:spTree>
+    <p:extLst>
+      <p:ext uri="{BB962C8B-B14F-4D97-AF65-F5344CB8AC3E}">
+        <p14:creationId xmlns:p14="http://schemas.microsoft.com/office/powerpoint/2010/main" val="705635538"/>
+      </p:ext>
+    </p:extLst>
+  </p:cSld>
+  <p:clrMapOvr>
+    <a:masterClrMapping/>
+  </p:clrMapOvr>
+  <p:transition spd="slow">
+    <p:push dir="u"/>
+  </p:transition>
+  <p:timing>
+    <p:tnLst>
+      <p:par>
+        <p:cTn id="1" dur="indefinite" restart="never" nodeType="tmRoot"/>
+      </p:par>
+    </p:tnLst>
+  </p:timing>
+</p:sld>
+</file>
+
+<file path=ppt/slides/slide11.xml><?xml version="1.0" encoding="utf-8"?>
+<p:sld xmlns:a="http://schemas.openxmlformats.org/drawingml/2006/main" xmlns:r="http://schemas.openxmlformats.org/officeDocument/2006/relationships" xmlns:p="http://schemas.openxmlformats.org/presentationml/2006/main">
+  <p:cSld>
+    <p:bg>
+      <p:bgPr>
+        <a:solidFill>
+          <a:srgbClr val="191919"/>
+        </a:solidFill>
+        <a:effectLst/>
+      </p:bgPr>
+    </p:bg>
+    <p:spTree>
+      <p:nvGrpSpPr>
+        <p:cNvPr id="1" name=""/>
+        <p:cNvGrpSpPr/>
+        <p:nvPr/>
+      </p:nvGrpSpPr>
+      <p:grpSpPr>
+        <a:xfrm>
+          <a:off x="0" y="0"/>
+          <a:ext cx="0" cy="0"/>
+          <a:chOff x="0" y="0"/>
+          <a:chExt cx="0" cy="0"/>
+        </a:xfrm>
+      </p:grpSpPr>
+      <p:sp>
+        <p:nvSpPr>
+          <p:cNvPr id="2" name="Заголовок 1"/>
+          <p:cNvSpPr>
+            <a:spLocks noGrp="1"/>
+          </p:cNvSpPr>
+          <p:nvPr>
+            <p:ph type="title"/>
           </p:nvPr>
         </p:nvSpPr>
         <p:spPr/>
@@ -3655,6 +3736,16 @@
           <a:bodyPr/>
           <a:lstStyle/>
           <a:p>
+            <a:r>
+              <a:rPr lang="ru-RU" dirty="0" smtClean="0">
+                <a:solidFill>
+                  <a:schemeClr val="bg1"/>
+                </a:solidFill>
+                <a:latin typeface="Times New Roman" panose="02020603050405020304" pitchFamily="18" charset="0"/>
+                <a:cs typeface="Times New Roman" panose="02020603050405020304" pitchFamily="18" charset="0"/>
+              </a:rPr>
+              <a:t>Заключение</a:t>
+            </a:r>
             <a:endParaRPr lang="ru-RU" dirty="0">
               <a:solidFill>
                 <a:schemeClr val="bg1"/>
@@ -3665,16 +3756,229 @@
           </a:p>
         </p:txBody>
       </p:sp>
+      <p:sp>
+        <p:nvSpPr>
+          <p:cNvPr id="3" name="Объект 2"/>
+          <p:cNvSpPr>
+            <a:spLocks noGrp="1"/>
+          </p:cNvSpPr>
+          <p:nvPr>
+            <p:ph idx="1"/>
+          </p:nvPr>
+        </p:nvSpPr>
+        <p:spPr>
+          <a:xfrm>
+            <a:off x="838200" y="1690688"/>
+            <a:ext cx="10515600" cy="4351338"/>
+          </a:xfrm>
+        </p:spPr>
+        <p:txBody>
+          <a:bodyPr/>
+          <a:lstStyle/>
+          <a:p>
+            <a:pPr marL="0" indent="0">
+              <a:buNone/>
+            </a:pPr>
+            <a:r>
+              <a:rPr lang="ru-RU" dirty="0">
+                <a:solidFill>
+                  <a:schemeClr val="bg1"/>
+                </a:solidFill>
+                <a:latin typeface="Times New Roman" panose="02020603050405020304" pitchFamily="18" charset="0"/>
+                <a:cs typeface="Times New Roman" panose="02020603050405020304" pitchFamily="18" charset="0"/>
+              </a:rPr>
+              <a:t>Проект завершен успешно. </a:t>
+            </a:r>
+            <a:r>
+              <a:rPr lang="ru-RU" dirty="0" smtClean="0">
+                <a:solidFill>
+                  <a:schemeClr val="bg1"/>
+                </a:solidFill>
+                <a:latin typeface="Times New Roman" panose="02020603050405020304" pitchFamily="18" charset="0"/>
+                <a:cs typeface="Times New Roman" panose="02020603050405020304" pitchFamily="18" charset="0"/>
+              </a:rPr>
+              <a:t>Мы </a:t>
+            </a:r>
+            <a:r>
+              <a:rPr lang="ru-RU" dirty="0">
+                <a:solidFill>
+                  <a:schemeClr val="bg1"/>
+                </a:solidFill>
+                <a:latin typeface="Times New Roman" panose="02020603050405020304" pitchFamily="18" charset="0"/>
+                <a:cs typeface="Times New Roman" panose="02020603050405020304" pitchFamily="18" charset="0"/>
+              </a:rPr>
+              <a:t>имеем готовый продукт, действительно способный увлечь как любителя классических игр, так и того, для кого такое занятие в новинку. Мы </a:t>
+            </a:r>
+            <a:r>
+              <a:rPr lang="ru-RU" dirty="0" smtClean="0">
+                <a:solidFill>
+                  <a:schemeClr val="bg1"/>
+                </a:solidFill>
+                <a:latin typeface="Times New Roman" panose="02020603050405020304" pitchFamily="18" charset="0"/>
+                <a:cs typeface="Times New Roman" panose="02020603050405020304" pitchFamily="18" charset="0"/>
+              </a:rPr>
+              <a:t>разработали </a:t>
+            </a:r>
+            <a:r>
+              <a:rPr lang="ru-RU" dirty="0">
+                <a:solidFill>
+                  <a:schemeClr val="bg1"/>
+                </a:solidFill>
+                <a:latin typeface="Times New Roman" panose="02020603050405020304" pitchFamily="18" charset="0"/>
+                <a:cs typeface="Times New Roman" panose="02020603050405020304" pitchFamily="18" charset="0"/>
+              </a:rPr>
+              <a:t>игру с уникальным кодом и оформлением. Каждый участник проекта выполнил свою часть работы в соответствии с календарным планом.</a:t>
+            </a:r>
+            <a:endParaRPr lang="ru-RU" dirty="0">
+              <a:solidFill>
+                <a:schemeClr val="bg1"/>
+              </a:solidFill>
+              <a:latin typeface="Times New Roman" panose="02020603050405020304" pitchFamily="18" charset="0"/>
+              <a:cs typeface="Times New Roman" panose="02020603050405020304" pitchFamily="18" charset="0"/>
+            </a:endParaRPr>
+          </a:p>
+        </p:txBody>
+      </p:sp>
+      <p:pic>
+        <p:nvPicPr>
+          <p:cNvPr id="4" name="Рисунок 3"/>
+          <p:cNvPicPr>
+            <a:picLocks noChangeAspect="1"/>
+          </p:cNvPicPr>
+          <p:nvPr/>
+        </p:nvPicPr>
+        <p:blipFill>
+          <a:blip r:embed="rId2">
+            <a:extLst>
+              <a:ext uri="{28A0092B-C50C-407E-A947-70E740481C1C}">
+                <a14:useLocalDpi xmlns:a14="http://schemas.microsoft.com/office/drawing/2010/main" val="0"/>
+              </a:ext>
+            </a:extLst>
+          </a:blip>
+          <a:stretch>
+            <a:fillRect/>
+          </a:stretch>
+        </p:blipFill>
+        <p:spPr>
+          <a:xfrm>
+            <a:off x="7806088" y="5949337"/>
+            <a:ext cx="3547712" cy="547003"/>
+          </a:xfrm>
+          <a:prstGeom prst="rect">
+            <a:avLst/>
+          </a:prstGeom>
+        </p:spPr>
+      </p:pic>
     </p:spTree>
     <p:extLst>
       <p:ext uri="{BB962C8B-B14F-4D97-AF65-F5344CB8AC3E}">
-        <p14:creationId xmlns:p14="http://schemas.microsoft.com/office/powerpoint/2010/main" val="3981913512"/>
+        <p14:creationId xmlns:p14="http://schemas.microsoft.com/office/powerpoint/2010/main" val="1630742222"/>
       </p:ext>
     </p:extLst>
   </p:cSld>
   <p:clrMapOvr>
     <a:masterClrMapping/>
   </p:clrMapOvr>
+  <p:transition spd="slow">
+    <p:push dir="u"/>
+  </p:transition>
+  <p:timing>
+    <p:tnLst>
+      <p:par>
+        <p:cTn id="1" dur="indefinite" restart="never" nodeType="tmRoot"/>
+      </p:par>
+    </p:tnLst>
+  </p:timing>
+</p:sld>
+</file>
+
+<file path=ppt/slides/slide12.xml><?xml version="1.0" encoding="utf-8"?>
+<p:sld xmlns:a="http://schemas.openxmlformats.org/drawingml/2006/main" xmlns:r="http://schemas.openxmlformats.org/officeDocument/2006/relationships" xmlns:p="http://schemas.openxmlformats.org/presentationml/2006/main">
+  <p:cSld>
+    <p:bg>
+      <p:bgPr>
+        <a:solidFill>
+          <a:srgbClr val="191919"/>
+        </a:solidFill>
+        <a:effectLst/>
+      </p:bgPr>
+    </p:bg>
+    <p:spTree>
+      <p:nvGrpSpPr>
+        <p:cNvPr id="1" name=""/>
+        <p:cNvGrpSpPr/>
+        <p:nvPr/>
+      </p:nvGrpSpPr>
+      <p:grpSpPr>
+        <a:xfrm>
+          <a:off x="0" y="0"/>
+          <a:ext cx="0" cy="0"/>
+          <a:chOff x="0" y="0"/>
+          <a:chExt cx="0" cy="0"/>
+        </a:xfrm>
+      </p:grpSpPr>
+      <p:sp>
+        <p:nvSpPr>
+          <p:cNvPr id="2" name="Заголовок 1"/>
+          <p:cNvSpPr>
+            <a:spLocks noGrp="1"/>
+          </p:cNvSpPr>
+          <p:nvPr>
+            <p:ph type="ctrTitle"/>
+          </p:nvPr>
+        </p:nvSpPr>
+        <p:spPr>
+          <a:xfrm>
+            <a:off x="1524000" y="2443795"/>
+            <a:ext cx="9144000" cy="1066167"/>
+          </a:xfrm>
+        </p:spPr>
+        <p:txBody>
+          <a:bodyPr>
+            <a:normAutofit/>
+          </a:bodyPr>
+          <a:lstStyle/>
+          <a:p>
+            <a:r>
+              <a:rPr lang="ru-RU" dirty="0" smtClean="0">
+                <a:solidFill>
+                  <a:schemeClr val="bg1"/>
+                </a:solidFill>
+                <a:latin typeface="Times New Roman" panose="02020603050405020304" pitchFamily="18" charset="0"/>
+                <a:cs typeface="Times New Roman" panose="02020603050405020304" pitchFamily="18" charset="0"/>
+              </a:rPr>
+              <a:t>Спасибо за внимание!</a:t>
+            </a:r>
+            <a:endParaRPr lang="ru-RU" dirty="0">
+              <a:solidFill>
+                <a:schemeClr val="bg1"/>
+              </a:solidFill>
+              <a:latin typeface="Times New Roman" panose="02020603050405020304" pitchFamily="18" charset="0"/>
+              <a:cs typeface="Times New Roman" panose="02020603050405020304" pitchFamily="18" charset="0"/>
+            </a:endParaRPr>
+          </a:p>
+        </p:txBody>
+      </p:sp>
+    </p:spTree>
+    <p:extLst>
+      <p:ext uri="{BB962C8B-B14F-4D97-AF65-F5344CB8AC3E}">
+        <p14:creationId xmlns:p14="http://schemas.microsoft.com/office/powerpoint/2010/main" val="2954677329"/>
+      </p:ext>
+    </p:extLst>
+  </p:cSld>
+  <p:clrMapOvr>
+    <a:masterClrMapping/>
+  </p:clrMapOvr>
+  <p:transition spd="slow">
+    <p:push dir="u"/>
+  </p:transition>
+  <p:timing>
+    <p:tnLst>
+      <p:par>
+        <p:cTn id="1" dur="indefinite" restart="never" nodeType="tmRoot"/>
+      </p:par>
+    </p:tnLst>
+  </p:timing>
 </p:sld>
 </file>
 
@@ -3753,10 +4057,164 @@
           <a:bodyPr/>
           <a:lstStyle/>
           <a:p>
-            <a:endParaRPr lang="ru-RU" dirty="0"/>
-          </a:p>
-        </p:txBody>
-      </p:sp>
+            <a:pPr marL="0" indent="0">
+              <a:buNone/>
+            </a:pPr>
+            <a:r>
+              <a:rPr lang="en-US" dirty="0" err="1">
+                <a:solidFill>
+                  <a:schemeClr val="bg1"/>
+                </a:solidFill>
+                <a:latin typeface="Times New Roman" panose="02020603050405020304" pitchFamily="18" charset="0"/>
+                <a:cs typeface="Times New Roman" panose="02020603050405020304" pitchFamily="18" charset="0"/>
+              </a:rPr>
+              <a:t>SnakeIt</a:t>
+            </a:r>
+            <a:r>
+              <a:rPr lang="ru-RU" dirty="0">
+                <a:solidFill>
+                  <a:schemeClr val="bg1"/>
+                </a:solidFill>
+                <a:latin typeface="Times New Roman" panose="02020603050405020304" pitchFamily="18" charset="0"/>
+                <a:cs typeface="Times New Roman" panose="02020603050405020304" pitchFamily="18" charset="0"/>
+              </a:rPr>
+              <a:t> – всем знакомые, классические игры, написанные с использованием бесплатной библиотеки </a:t>
+            </a:r>
+            <a:r>
+              <a:rPr lang="en-US" dirty="0">
+                <a:solidFill>
+                  <a:schemeClr val="bg1"/>
+                </a:solidFill>
+                <a:latin typeface="Times New Roman" panose="02020603050405020304" pitchFamily="18" charset="0"/>
+                <a:cs typeface="Times New Roman" panose="02020603050405020304" pitchFamily="18" charset="0"/>
+              </a:rPr>
+              <a:t>SFML </a:t>
+            </a:r>
+            <a:r>
+              <a:rPr lang="ru-RU" dirty="0">
+                <a:solidFill>
+                  <a:schemeClr val="bg1"/>
+                </a:solidFill>
+                <a:latin typeface="Times New Roman" panose="02020603050405020304" pitchFamily="18" charset="0"/>
+                <a:cs typeface="Times New Roman" panose="02020603050405020304" pitchFamily="18" charset="0"/>
+              </a:rPr>
+              <a:t>на языке </a:t>
+            </a:r>
+            <a:r>
+              <a:rPr lang="en-US" dirty="0">
+                <a:solidFill>
+                  <a:schemeClr val="bg1"/>
+                </a:solidFill>
+                <a:latin typeface="Times New Roman" panose="02020603050405020304" pitchFamily="18" charset="0"/>
+                <a:cs typeface="Times New Roman" panose="02020603050405020304" pitchFamily="18" charset="0"/>
+              </a:rPr>
+              <a:t>C</a:t>
+            </a:r>
+            <a:r>
+              <a:rPr lang="ru-RU" dirty="0">
+                <a:solidFill>
+                  <a:schemeClr val="bg1"/>
+                </a:solidFill>
+                <a:latin typeface="Times New Roman" panose="02020603050405020304" pitchFamily="18" charset="0"/>
+                <a:cs typeface="Times New Roman" panose="02020603050405020304" pitchFamily="18" charset="0"/>
+              </a:rPr>
+              <a:t>++</a:t>
+            </a:r>
+          </a:p>
+          <a:p>
+            <a:pPr marL="0" indent="0">
+              <a:buNone/>
+            </a:pPr>
+            <a:r>
+              <a:rPr lang="ru-RU" dirty="0" smtClean="0">
+                <a:solidFill>
+                  <a:schemeClr val="bg1"/>
+                </a:solidFill>
+                <a:latin typeface="Times New Roman" panose="02020603050405020304" pitchFamily="18" charset="0"/>
+                <a:cs typeface="Times New Roman" panose="02020603050405020304" pitchFamily="18" charset="0"/>
+              </a:rPr>
+              <a:t>Включает в себя 6 игр, таких как тетрис, змейка, сапёр, </a:t>
+            </a:r>
+            <a:r>
+              <a:rPr lang="ru-RU" dirty="0" err="1" smtClean="0">
+                <a:solidFill>
+                  <a:schemeClr val="bg1"/>
+                </a:solidFill>
+                <a:latin typeface="Times New Roman" panose="02020603050405020304" pitchFamily="18" charset="0"/>
+                <a:cs typeface="Times New Roman" panose="02020603050405020304" pitchFamily="18" charset="0"/>
+              </a:rPr>
+              <a:t>пин</a:t>
+            </a:r>
+            <a:r>
+              <a:rPr lang="ru-RU" dirty="0" smtClean="0">
+                <a:solidFill>
+                  <a:schemeClr val="bg1"/>
+                </a:solidFill>
+                <a:latin typeface="Times New Roman" panose="02020603050405020304" pitchFamily="18" charset="0"/>
+                <a:cs typeface="Times New Roman" panose="02020603050405020304" pitchFamily="18" charset="0"/>
+              </a:rPr>
+              <a:t> </a:t>
+            </a:r>
+            <a:r>
+              <a:rPr lang="ru-RU" dirty="0" err="1" smtClean="0">
+                <a:solidFill>
+                  <a:schemeClr val="bg1"/>
+                </a:solidFill>
+                <a:latin typeface="Times New Roman" panose="02020603050405020304" pitchFamily="18" charset="0"/>
+                <a:cs typeface="Times New Roman" panose="02020603050405020304" pitchFamily="18" charset="0"/>
+              </a:rPr>
+              <a:t>понг</a:t>
+            </a:r>
+            <a:r>
+              <a:rPr lang="ru-RU" dirty="0" smtClean="0">
+                <a:solidFill>
+                  <a:schemeClr val="bg1"/>
+                </a:solidFill>
+                <a:latin typeface="Times New Roman" panose="02020603050405020304" pitchFamily="18" charset="0"/>
+                <a:cs typeface="Times New Roman" panose="02020603050405020304" pitchFamily="18" charset="0"/>
+              </a:rPr>
+              <a:t>, гонки, а также игра «Трон».</a:t>
+            </a:r>
+            <a:endParaRPr lang="ru-RU" dirty="0">
+              <a:solidFill>
+                <a:schemeClr val="bg1"/>
+              </a:solidFill>
+              <a:latin typeface="Times New Roman" panose="02020603050405020304" pitchFamily="18" charset="0"/>
+              <a:cs typeface="Times New Roman" panose="02020603050405020304" pitchFamily="18" charset="0"/>
+            </a:endParaRPr>
+          </a:p>
+        </p:txBody>
+      </p:sp>
+      <p:pic>
+        <p:nvPicPr>
+          <p:cNvPr id="4" name="Рисунок 3"/>
+          <p:cNvPicPr>
+            <a:picLocks noChangeAspect="1"/>
+          </p:cNvPicPr>
+          <p:nvPr/>
+        </p:nvPicPr>
+        <p:blipFill>
+          <a:blip r:embed="rId2">
+            <a:extLst>
+              <a:ext uri="{28A0092B-C50C-407E-A947-70E740481C1C}">
+                <a14:useLocalDpi xmlns:a14="http://schemas.microsoft.com/office/drawing/2010/main" val="0"/>
+              </a:ext>
+            </a:extLst>
+          </a:blip>
+          <a:stretch>
+            <a:fillRect/>
+          </a:stretch>
+        </p:blipFill>
+        <p:spPr>
+          <a:xfrm>
+            <a:off x="2852737" y="4280307"/>
+            <a:ext cx="6486525" cy="1000125"/>
+          </a:xfrm>
+          <a:prstGeom prst="rect">
+            <a:avLst/>
+          </a:prstGeom>
+        </p:spPr>
+      </p:pic>
     </p:spTree>
     <p:extLst>
       <p:ext uri="{BB962C8B-B14F-4D97-AF65-F5344CB8AC3E}">
@@ -3767,6 +4225,16 @@
   <p:clrMapOvr>
     <a:masterClrMapping/>
   </p:clrMapOvr>
+  <p:transition spd="slow">
+    <p:push dir="u"/>
+  </p:transition>
+  <p:timing>
+    <p:tnLst>
+      <p:par>
+        <p:cTn id="1" dur="indefinite" restart="never" nodeType="tmRoot"/>
+      </p:par>
+    </p:tnLst>
+  </p:timing>
 </p:sld>
 </file>
 
@@ -3902,7 +4370,17 @@
                 <a:latin typeface="Times New Roman" panose="02020603050405020304" pitchFamily="18" charset="0"/>
                 <a:cs typeface="Times New Roman" panose="02020603050405020304" pitchFamily="18" charset="0"/>
               </a:rPr>
-              <a:t>Углубленное изучение языка программирования С++, что является хорошим фундаментом для дальнейшего обучения на выбранном направлении подготовки</a:t>
+              <a:t>Углубленное изучение языка программирования С</a:t>
+            </a:r>
+            <a:r>
+              <a:rPr lang="ru-RU" dirty="0" smtClean="0">
+                <a:solidFill>
+                  <a:schemeClr val="bg1"/>
+                </a:solidFill>
+                <a:latin typeface="Times New Roman" panose="02020603050405020304" pitchFamily="18" charset="0"/>
+                <a:cs typeface="Times New Roman" panose="02020603050405020304" pitchFamily="18" charset="0"/>
+              </a:rPr>
+              <a:t>++</a:t>
             </a:r>
             <a:endParaRPr lang="ru-RU" dirty="0">
               <a:solidFill>
@@ -3924,6 +4402,16 @@
   <p:clrMapOvr>
     <a:masterClrMapping/>
   </p:clrMapOvr>
+  <p:transition spd="slow">
+    <p:push dir="u"/>
+  </p:transition>
+  <p:timing>
+    <p:tnLst>
+      <p:par>
+        <p:cTn id="1" dur="indefinite" restart="never" nodeType="tmRoot"/>
+      </p:par>
+    </p:tnLst>
+  </p:timing>
 </p:sld>
 </file>
 
@@ -4167,6 +4655,16 @@
   <p:clrMapOvr>
     <a:masterClrMapping/>
   </p:clrMapOvr>
+  <p:transition spd="slow">
+    <p:push dir="u"/>
+  </p:transition>
+  <p:timing>
+    <p:tnLst>
+      <p:par>
+        <p:cTn id="1" dur="indefinite" restart="never" nodeType="tmRoot"/>
+      </p:par>
+    </p:tnLst>
+  </p:timing>
 </p:sld>
 </file>
 
@@ -4246,6 +4744,9 @@
   <p:clrMapOvr>
     <a:masterClrMapping/>
   </p:clrMapOvr>
+  <p:transition spd="slow">
+    <p:push dir="u"/>
+  </p:transition>
   <p:timing>
     <p:tnLst>
       <p:par>
@@ -4478,17 +4979,7 @@
                 <a:latin typeface="Times New Roman" panose="02020603050405020304" pitchFamily="18" charset="0"/>
                 <a:cs typeface="Times New Roman" panose="02020603050405020304" pitchFamily="18" charset="0"/>
               </a:rPr>
-              <a:t> и по одной для каждого </a:t>
-            </a:r>
-            <a:r>
-              <a:rPr lang="ru-RU" sz="2400" dirty="0" smtClean="0">
-                <a:solidFill>
-                  <a:schemeClr val="bg1"/>
-                </a:solidFill>
-                <a:latin typeface="Times New Roman" panose="02020603050405020304" pitchFamily="18" charset="0"/>
-                <a:cs typeface="Times New Roman" panose="02020603050405020304" pitchFamily="18" charset="0"/>
-              </a:rPr>
-              <a:t>разработчика)</a:t>
+              <a:t> и по одной для каждого разработчика)</a:t>
             </a:r>
             <a:endParaRPr lang="ru-RU" sz="2400" dirty="0">
               <a:solidFill>
@@ -4534,6 +5025,9 @@
   <p:clrMapOvr>
     <a:masterClrMapping/>
   </p:clrMapOvr>
+  <p:transition spd="slow">
+    <p:push dir="u"/>
+  </p:transition>
   <p:timing>
     <p:tnLst>
       <p:par>
@@ -5091,6 +5585,9 @@
   <p:clrMapOvr>
     <a:masterClrMapping/>
   </p:clrMapOvr>
+  <p:transition spd="slow">
+    <p:push dir="u"/>
+  </p:transition>
   <p:timing>
     <p:tnLst>
       <p:par>
@@ -5167,6 +5664,48 @@
           </a:p>
         </p:txBody>
       </p:sp>
+      <p:sp>
+        <p:nvSpPr>
+          <p:cNvPr id="3" name="TextBox 2"/>
+          <p:cNvSpPr txBox="1"/>
+          <p:nvPr/>
+        </p:nvSpPr>
+        <p:spPr>
+          <a:xfrm>
+            <a:off x="9753233" y="5381204"/>
+            <a:ext cx="1641027" cy="553998"/>
+          </a:xfrm>
+          <a:prstGeom prst="rect">
+            <a:avLst/>
+          </a:prstGeom>
+          <a:noFill/>
+        </p:spPr>
+        <p:txBody>
+          <a:bodyPr wrap="none" rtlCol="0">
+            <a:spAutoFit/>
+          </a:bodyPr>
+          <a:lstStyle/>
+          <a:p>
+            <a:r>
+              <a:rPr lang="ru-RU" sz="3000" dirty="0" smtClean="0">
+                <a:solidFill>
+                  <a:schemeClr val="bg1"/>
+                </a:solidFill>
+                <a:latin typeface="Times New Roman" panose="02020603050405020304" pitchFamily="18" charset="0"/>
+                <a:cs typeface="Times New Roman" panose="02020603050405020304" pitchFamily="18" charset="0"/>
+              </a:rPr>
+              <a:t>редактор</a:t>
+            </a:r>
+            <a:endParaRPr lang="ru-RU" sz="3000" dirty="0">
+              <a:solidFill>
+                <a:schemeClr val="bg1"/>
+              </a:solidFill>
+              <a:latin typeface="Times New Roman" panose="02020603050405020304" pitchFamily="18" charset="0"/>
+              <a:cs typeface="Times New Roman" panose="02020603050405020304" pitchFamily="18" charset="0"/>
+            </a:endParaRPr>
+          </a:p>
+        </p:txBody>
+      </p:sp>
     </p:spTree>
     <p:extLst>
       <p:ext uri="{BB962C8B-B14F-4D97-AF65-F5344CB8AC3E}">
@@ -5177,6 +5716,9 @@
   <p:clrMapOvr>
     <a:masterClrMapping/>
   </p:clrMapOvr>
+  <p:transition spd="slow">
+    <p:push dir="u"/>
+  </p:transition>
   <p:timing>
     <p:tnLst>
       <p:par>
@@ -5247,16 +5789,175 @@
           </a:p>
         </p:txBody>
       </p:sp>
+      <p:sp>
+        <p:nvSpPr>
+          <p:cNvPr id="3" name="Объект 2"/>
+          <p:cNvSpPr>
+            <a:spLocks noGrp="1"/>
+          </p:cNvSpPr>
+          <p:nvPr>
+            <p:ph idx="1"/>
+          </p:nvPr>
+        </p:nvSpPr>
+        <p:spPr/>
+        <p:txBody>
+          <a:bodyPr>
+            <a:normAutofit/>
+          </a:bodyPr>
+          <a:lstStyle/>
+          <a:p>
+            <a:pPr marL="514350" indent="-514350">
+              <a:buFont typeface="+mj-lt"/>
+              <a:buAutoNum type="arabicPeriod"/>
+            </a:pPr>
+            <a:r>
+              <a:rPr lang="ru-RU" dirty="0" smtClean="0">
+                <a:solidFill>
+                  <a:schemeClr val="bg1"/>
+                </a:solidFill>
+                <a:latin typeface="Times New Roman" panose="02020603050405020304" pitchFamily="18" charset="0"/>
+                <a:cs typeface="Times New Roman" panose="02020603050405020304" pitchFamily="18" charset="0"/>
+              </a:rPr>
+              <a:t>Разработка первой игры, «проба пера»</a:t>
+            </a:r>
+          </a:p>
+          <a:p>
+            <a:pPr marL="514350" indent="-514350">
+              <a:buFont typeface="+mj-lt"/>
+              <a:buAutoNum type="arabicPeriod"/>
+            </a:pPr>
+            <a:r>
+              <a:rPr lang="ru-RU" dirty="0" smtClean="0">
+                <a:solidFill>
+                  <a:schemeClr val="bg1"/>
+                </a:solidFill>
+                <a:latin typeface="Times New Roman" panose="02020603050405020304" pitchFamily="18" charset="0"/>
+                <a:cs typeface="Times New Roman" panose="02020603050405020304" pitchFamily="18" charset="0"/>
+              </a:rPr>
+              <a:t>Создание еще нескольких игр, объединение их в консольное меню</a:t>
+            </a:r>
+          </a:p>
+          <a:p>
+            <a:pPr marL="514350" indent="-514350">
+              <a:buFont typeface="+mj-lt"/>
+              <a:buAutoNum type="arabicPeriod"/>
+            </a:pPr>
+            <a:r>
+              <a:rPr lang="ru-RU" dirty="0" smtClean="0">
+                <a:solidFill>
+                  <a:schemeClr val="bg1"/>
+                </a:solidFill>
+                <a:latin typeface="Times New Roman" panose="02020603050405020304" pitchFamily="18" charset="0"/>
+                <a:cs typeface="Times New Roman" panose="02020603050405020304" pitchFamily="18" charset="0"/>
+              </a:rPr>
+              <a:t>Первый вариант графического меню</a:t>
+            </a:r>
+          </a:p>
+          <a:p>
+            <a:pPr marL="514350" indent="-514350">
+              <a:buFont typeface="+mj-lt"/>
+              <a:buAutoNum type="arabicPeriod"/>
+            </a:pPr>
+            <a:r>
+              <a:rPr lang="ru-RU" dirty="0" smtClean="0">
+                <a:solidFill>
+                  <a:schemeClr val="bg1"/>
+                </a:solidFill>
+                <a:latin typeface="Times New Roman" panose="02020603050405020304" pitchFamily="18" charset="0"/>
+                <a:cs typeface="Times New Roman" panose="02020603050405020304" pitchFamily="18" charset="0"/>
+              </a:rPr>
+              <a:t>Определение окончательного объема игр</a:t>
+            </a:r>
+          </a:p>
+          <a:p>
+            <a:pPr marL="514350" indent="-514350">
+              <a:buFont typeface="+mj-lt"/>
+              <a:buAutoNum type="arabicPeriod"/>
+            </a:pPr>
+            <a:r>
+              <a:rPr lang="ru-RU" dirty="0" smtClean="0">
+                <a:solidFill>
+                  <a:schemeClr val="bg1"/>
+                </a:solidFill>
+                <a:latin typeface="Times New Roman" panose="02020603050405020304" pitchFamily="18" charset="0"/>
+                <a:cs typeface="Times New Roman" panose="02020603050405020304" pitchFamily="18" charset="0"/>
+              </a:rPr>
+              <a:t>Дополнение проекта недостающими играми</a:t>
+            </a:r>
+          </a:p>
+          <a:p>
+            <a:pPr marL="514350" indent="-514350">
+              <a:buFont typeface="+mj-lt"/>
+              <a:buAutoNum type="arabicPeriod"/>
+            </a:pPr>
+            <a:r>
+              <a:rPr lang="ru-RU" dirty="0" smtClean="0">
+                <a:solidFill>
+                  <a:schemeClr val="bg1"/>
+                </a:solidFill>
+                <a:latin typeface="Times New Roman" panose="02020603050405020304" pitchFamily="18" charset="0"/>
+                <a:cs typeface="Times New Roman" panose="02020603050405020304" pitchFamily="18" charset="0"/>
+              </a:rPr>
+              <a:t>Окончательный дизайн фонов и элементов</a:t>
+            </a:r>
+          </a:p>
+          <a:p>
+            <a:pPr marL="514350" indent="-514350">
+              <a:buFont typeface="+mj-lt"/>
+              <a:buAutoNum type="arabicPeriod"/>
+            </a:pPr>
+            <a:r>
+              <a:rPr lang="ru-RU" dirty="0" smtClean="0">
+                <a:solidFill>
+                  <a:schemeClr val="bg1"/>
+                </a:solidFill>
+                <a:latin typeface="Times New Roman" panose="02020603050405020304" pitchFamily="18" charset="0"/>
+                <a:cs typeface="Times New Roman" panose="02020603050405020304" pitchFamily="18" charset="0"/>
+              </a:rPr>
+              <a:t>Релиз</a:t>
+            </a:r>
+          </a:p>
+          <a:p>
+            <a:pPr marL="514350" indent="-514350">
+              <a:buFont typeface="+mj-lt"/>
+              <a:buAutoNum type="arabicPeriod"/>
+            </a:pPr>
+            <a:endParaRPr lang="ru-RU" dirty="0" smtClean="0">
+              <a:solidFill>
+                <a:schemeClr val="bg1"/>
+              </a:solidFill>
+              <a:latin typeface="Times New Roman" panose="02020603050405020304" pitchFamily="18" charset="0"/>
+              <a:cs typeface="Times New Roman" panose="02020603050405020304" pitchFamily="18" charset="0"/>
+            </a:endParaRPr>
+          </a:p>
+          <a:p>
+            <a:pPr marL="514350" indent="-514350">
+              <a:buFont typeface="+mj-lt"/>
+              <a:buAutoNum type="arabicPeriod"/>
+            </a:pPr>
+            <a:endParaRPr lang="ru-RU" dirty="0">
+              <a:solidFill>
+                <a:schemeClr val="bg1"/>
+              </a:solidFill>
+              <a:latin typeface="Times New Roman" panose="02020603050405020304" pitchFamily="18" charset="0"/>
+              <a:cs typeface="Times New Roman" panose="02020603050405020304" pitchFamily="18" charset="0"/>
+            </a:endParaRPr>
+          </a:p>
+        </p:txBody>
+      </p:sp>
     </p:spTree>
     <p:extLst>
       <p:ext uri="{BB962C8B-B14F-4D97-AF65-F5344CB8AC3E}">
-        <p14:creationId xmlns:p14="http://schemas.microsoft.com/office/powerpoint/2010/main" val="1901337591"/>
+        <p14:creationId xmlns:p14="http://schemas.microsoft.com/office/powerpoint/2010/main" val="3981913512"/>
       </p:ext>
     </p:extLst>
   </p:cSld>
   <p:clrMapOvr>
     <a:masterClrMapping/>
   </p:clrMapOvr>
+  <p:transition spd="slow">
+    <p:push dir="u"/>
+  </p:transition>
   <p:timing>
     <p:tnLst>
       <p:par>
